--- a/substrate_atoll.pptx
+++ b/substrate_atoll.pptx
@@ -280,7 +280,7 @@
       </p15:sldGuideLst>
     </p:ext>
     <p:ext uri="GoogleSlidesCustomDataVersion2">
-      <go:slidesCustomData xmlns:go="http://customooxmlschemas.google.com/" xmlns:ahyp="http://schemas.microsoft.com/office/drawing/2018/hyperlinkcolor" xmlns:p15="http://schemas.microsoft.com/office/powerpoint/2012/main" xmlns:p14="http://schemas.microsoft.com/office/powerpoint/2010/main" xmlns:com="http://schemas.openxmlformats.org/drawingml/2006/compatibility" xmlns:pvml="urn:schemas-microsoft-com:office:powerpoint" xmlns:v="urn:schemas-microsoft-com:vml" xmlns:o="urn:schemas-microsoft-com:office:office" xmlns:dgm="http://schemas.openxmlformats.org/drawingml/2006/diagram" xmlns:c="http://schemas.openxmlformats.org/drawingml/2006/chart" xmlns:mv="urn:schemas-microsoft-com:mac:vml" xmlns:mc="http://schemas.openxmlformats.org/markup-compatibility/2006" xmlns="" r:id="rId20" roundtripDataSignature="AMtx7mjl5lcmlz2mSAvUkIVPZAW4O20UPg=="/>
+      <go:slidesCustomData xmlns="" xmlns:mc="http://schemas.openxmlformats.org/markup-compatibility/2006" xmlns:mv="urn:schemas-microsoft-com:mac:vml" xmlns:c="http://schemas.openxmlformats.org/drawingml/2006/chart" xmlns:dgm="http://schemas.openxmlformats.org/drawingml/2006/diagram" xmlns:o="urn:schemas-microsoft-com:office:office" xmlns:v="urn:schemas-microsoft-com:vml" xmlns:pvml="urn:schemas-microsoft-com:office:powerpoint" xmlns:com="http://schemas.openxmlformats.org/drawingml/2006/compatibility" xmlns:p14="http://schemas.microsoft.com/office/powerpoint/2010/main" xmlns:p15="http://schemas.microsoft.com/office/powerpoint/2012/main" xmlns:ahyp="http://schemas.microsoft.com/office/drawing/2018/hyperlinkcolor" xmlns:go="http://customooxmlschemas.google.com/" r:id="rId20" roundtripDataSignature="AMtx7mjl5lcmlz2mSAvUkIVPZAW4O20UPg=="/>
     </p:ext>
   </p:extLst>
 </p:presentation>
@@ -14275,7 +14275,7 @@
         <p:spPr>
           <a:xfrm>
             <a:off x="7772400" y="1066800"/>
-            <a:ext cx="21122358" cy="1446509"/>
+            <a:ext cx="21745074" cy="1446509"/>
           </a:xfrm>
           <a:prstGeom prst="rect">
             <a:avLst/>
@@ -14318,7 +14318,7 @@
                 <a:cs typeface="Titillium Web SemiBold"/>
                 <a:sym typeface="Titillium Web SemiBold"/>
               </a:rPr>
-              <a:t>Strongly-typed APIs for analog generators</a:t>
+              <a:t>A strongly-typed AMS generator framework</a:t>
             </a:r>
             <a:endParaRPr lang="en-US" sz="1400" b="0" i="0" u="none" strike="noStrike" cap="none" dirty="0">
               <a:solidFill>
@@ -14487,7 +14487,7 @@
         <p:spPr>
           <a:xfrm>
             <a:off x="381000" y="5540973"/>
-            <a:ext cx="11734800" cy="4745874"/>
+            <a:ext cx="11734800" cy="4228810"/>
           </a:xfrm>
           <a:prstGeom prst="rect">
             <a:avLst/>
@@ -14503,7 +14503,7 @@
           </a:bodyPr>
           <a:lstStyle/>
           <a:p>
-            <a:pPr marL="0" marR="0" lvl="0" indent="0" algn="l" rtl="0">
+            <a:pPr marL="457200" marR="0" lvl="0" indent="-457200" algn="l" rtl="0">
               <a:lnSpc>
                 <a:spcPct val="120000"/>
               </a:lnSpc>
@@ -14517,20 +14517,20 @@
                 <a:srgbClr val="000000"/>
               </a:buClr>
               <a:buSzPts val="2800"/>
-              <a:buFont typeface="Arial"/>
-              <a:buNone/>
+              <a:buFont typeface="Arial" panose="020B0604020202020204" pitchFamily="34" charset="0"/>
+              <a:buChar char="•"/>
             </a:pPr>
             <a:r>
-              <a:rPr lang="en-US" sz="2800" dirty="0">
+              <a:rPr lang="en-US" sz="3200" dirty="0">
                 <a:solidFill>
                   <a:schemeClr val="dk1"/>
                 </a:solidFill>
               </a:rPr>
-              <a:t>Blocks are composable generator units (think modules/cells). Blocks can be any type, but they are commonly structs that hold their parameters. All Blocks declare an IO type that specifies the input/output signals.</a:t>
+              <a:t>Blocks are composable generator units (think modules/cells)</a:t>
             </a:r>
           </a:p>
           <a:p>
-            <a:pPr marL="0" marR="0" lvl="0" indent="0" algn="l" rtl="0">
+            <a:pPr marL="457200" marR="0" lvl="0" indent="-457200" algn="l" rtl="0">
               <a:lnSpc>
                 <a:spcPct val="120000"/>
               </a:lnSpc>
@@ -14544,11 +14544,38 @@
                 <a:srgbClr val="000000"/>
               </a:buClr>
               <a:buSzPts val="2800"/>
-              <a:buFont typeface="Arial"/>
-              <a:buNone/>
+              <a:buFont typeface="Arial" panose="020B0604020202020204" pitchFamily="34" charset="0"/>
+              <a:buChar char="•"/>
             </a:pPr>
             <a:r>
-              <a:rPr lang="en-US" sz="2800" dirty="0">
+              <a:rPr lang="en-US" sz="3200" dirty="0">
+                <a:solidFill>
+                  <a:schemeClr val="dk1"/>
+                </a:solidFill>
+              </a:rPr>
+              <a:t>Blocks declare an IO type that specifies the input/output signals</a:t>
+            </a:r>
+          </a:p>
+          <a:p>
+            <a:pPr marL="457200" marR="0" lvl="0" indent="-457200" algn="l" rtl="0">
+              <a:lnSpc>
+                <a:spcPct val="120000"/>
+              </a:lnSpc>
+              <a:spcBef>
+                <a:spcPts val="0"/>
+              </a:spcBef>
+              <a:spcAft>
+                <a:spcPts val="0"/>
+              </a:spcAft>
+              <a:buClr>
+                <a:srgbClr val="000000"/>
+              </a:buClr>
+              <a:buSzPts val="2800"/>
+              <a:buFont typeface="Arial" panose="020B0604020202020204" pitchFamily="34" charset="0"/>
+              <a:buChar char="•"/>
+            </a:pPr>
+            <a:r>
+              <a:rPr lang="en-US" sz="3200" dirty="0">
                 <a:solidFill>
                   <a:schemeClr val="dk1"/>
                 </a:solidFill>
@@ -14556,7 +14583,7 @@
               <a:t>Blocks declare the set of views they support by implementing the appropriate traits (</a:t>
             </a:r>
             <a:r>
-              <a:rPr lang="en-US" sz="2800" dirty="0">
+              <a:rPr lang="en-US" sz="3200" dirty="0">
                 <a:solidFill>
                   <a:schemeClr val="dk1"/>
                 </a:solidFill>
@@ -14567,7 +14594,7 @@
               <a:t>Schematic</a:t>
             </a:r>
             <a:r>
-              <a:rPr lang="en-US" sz="2800" dirty="0">
+              <a:rPr lang="en-US" sz="3200" dirty="0">
                 <a:solidFill>
                   <a:schemeClr val="dk1"/>
                 </a:solidFill>
@@ -14575,7 +14602,7 @@
               <a:t> and/or </a:t>
             </a:r>
             <a:r>
-              <a:rPr lang="en-US" sz="2800" dirty="0">
+              <a:rPr lang="en-US" sz="3200" dirty="0">
                 <a:solidFill>
                   <a:schemeClr val="dk1"/>
                 </a:solidFill>
@@ -14586,16 +14613,16 @@
               <a:t>Layout</a:t>
             </a:r>
             <a:r>
-              <a:rPr lang="en-US" sz="2800" dirty="0">
+              <a:rPr lang="en-US" sz="3200" dirty="0">
                 <a:solidFill>
                   <a:schemeClr val="dk1"/>
                 </a:solidFill>
               </a:rPr>
-              <a:t>). The schematic and layout systems each support propagating nested views:</a:t>
+              <a:t>)</a:t>
             </a:r>
           </a:p>
           <a:p>
-            <a:pPr marL="0" marR="0" lvl="0" indent="0" algn="l" rtl="0">
+            <a:pPr marL="457200" marR="0" lvl="0" indent="-457200" algn="l" rtl="0">
               <a:lnSpc>
                 <a:spcPct val="120000"/>
               </a:lnSpc>
@@ -14609,45 +14636,18 @@
                 <a:srgbClr val="000000"/>
               </a:buClr>
               <a:buSzPts val="2800"/>
-              <a:buFont typeface="Arial"/>
-              <a:buNone/>
+              <a:buFont typeface="Arial" panose="020B0604020202020204" pitchFamily="34" charset="0"/>
+              <a:buChar char="•"/>
             </a:pPr>
             <a:r>
-              <a:rPr lang="en-US" sz="2800" dirty="0">
+              <a:rPr lang="en-US" sz="3200" dirty="0">
                 <a:solidFill>
                   <a:schemeClr val="dk1"/>
                 </a:solidFill>
               </a:rPr>
-              <a:t>- Schematics can expose internal node voltages or terminal currents for probing in simulation</a:t>
+              <a:t>Schematics/layouts can export nested views for making internal nodes/geometry accessible to other modules</a:t>
             </a:r>
-          </a:p>
-          <a:p>
-            <a:pPr marL="0" marR="0" lvl="0" indent="0" algn="l" rtl="0">
-              <a:lnSpc>
-                <a:spcPct val="120000"/>
-              </a:lnSpc>
-              <a:spcBef>
-                <a:spcPts val="0"/>
-              </a:spcBef>
-              <a:spcAft>
-                <a:spcPts val="0"/>
-              </a:spcAft>
-              <a:buClr>
-                <a:srgbClr val="000000"/>
-              </a:buClr>
-              <a:buSzPts val="2800"/>
-              <a:buFont typeface="Arial"/>
-              <a:buNone/>
-            </a:pPr>
-            <a:r>
-              <a:rPr lang="en-US" sz="2800" dirty="0">
-                <a:solidFill>
-                  <a:schemeClr val="dk1"/>
-                </a:solidFill>
-              </a:rPr>
-              <a:t>- Layouts can expose internal geometry to higher-level blocks</a:t>
-            </a:r>
-            <a:endParaRPr sz="2800" dirty="0">
+            <a:endParaRPr sz="3200" dirty="0">
               <a:solidFill>
                 <a:schemeClr val="dk1"/>
               </a:solidFill>
@@ -15058,7 +15058,7 @@
         </p:nvSpPr>
         <p:spPr>
           <a:xfrm>
-            <a:off x="381000" y="13647375"/>
+            <a:off x="381000" y="13300534"/>
             <a:ext cx="11734799" cy="400069"/>
           </a:xfrm>
           <a:prstGeom prst="rect">
@@ -15137,7 +15137,7 @@
           </a:bodyPr>
           <a:lstStyle/>
           <a:p>
-            <a:pPr marL="0" marR="0" lvl="0" indent="0" algn="l" rtl="0">
+            <a:pPr marL="457200" marR="0" lvl="0" indent="-457200" algn="l" rtl="0">
               <a:lnSpc>
                 <a:spcPct val="120000"/>
               </a:lnSpc>
@@ -15151,66 +15151,46 @@
                 <a:srgbClr val="000000"/>
               </a:buClr>
               <a:buSzPts val="2800"/>
-              <a:buFont typeface="Arial"/>
-              <a:buNone/>
+              <a:buFont typeface="Arial" panose="020B0604020202020204" pitchFamily="34" charset="0"/>
+              <a:buChar char="•"/>
             </a:pPr>
             <a:r>
-              <a:rPr lang="en-US" sz="2800" b="0" i="0" u="none" strike="noStrike" cap="none" dirty="0">
+              <a:rPr lang="en-US" sz="3200" dirty="0">
                 <a:solidFill>
                   <a:schemeClr val="dk1"/>
                 </a:solidFill>
-                <a:latin typeface="Arial"/>
-                <a:ea typeface="Arial"/>
-                <a:cs typeface="Arial"/>
-                <a:sym typeface="Arial"/>
               </a:rPr>
-              <a:t>Subs</a:t>
+              <a:t>Simulators declare (at compile time) supported analyses</a:t>
+            </a:r>
+          </a:p>
+          <a:p>
+            <a:pPr marL="457200" marR="0" lvl="0" indent="-457200" algn="l" rtl="0">
+              <a:lnSpc>
+                <a:spcPct val="120000"/>
+              </a:lnSpc>
+              <a:spcBef>
+                <a:spcPts val="0"/>
+              </a:spcBef>
+              <a:spcAft>
+                <a:spcPts val="0"/>
+              </a:spcAft>
+              <a:buClr>
+                <a:srgbClr val="000000"/>
+              </a:buClr>
+              <a:buSzPts val="2800"/>
+              <a:buFont typeface="Arial" panose="020B0604020202020204" pitchFamily="34" charset="0"/>
+              <a:buChar char="•"/>
+            </a:pPr>
+            <a:r>
+              <a:rPr lang="en-US" sz="3200" dirty="0">
+                <a:solidFill>
+                  <a:schemeClr val="dk1"/>
+                </a:solidFill>
+              </a:rPr>
+              <a:t>Testbench authors implement the </a:t>
             </a:r>
             <a:r>
-              <a:rPr lang="en-US" sz="2800" dirty="0">
-                <a:solidFill>
-                  <a:schemeClr val="dk1"/>
-                </a:solidFill>
-              </a:rPr>
-              <a:t>trate-compatible simulators must provide a library that implements the </a:t>
-            </a:r>
-            <a:r>
-              <a:rPr lang="en-US" sz="2800" dirty="0">
-                <a:solidFill>
-                  <a:schemeClr val="dk1"/>
-                </a:solidFill>
-                <a:latin typeface="JetBrainsMono NF" panose="02000009000000000000" pitchFamily="49" charset="0"/>
-                <a:ea typeface="JetBrainsMono NF" panose="02000009000000000000" pitchFamily="49" charset="0"/>
-                <a:cs typeface="JetBrainsMono NF" panose="02000009000000000000" pitchFamily="49" charset="0"/>
-              </a:rPr>
-              <a:t>Simulator</a:t>
-            </a:r>
-            <a:r>
-              <a:rPr lang="en-US" sz="2800" dirty="0">
-                <a:solidFill>
-                  <a:schemeClr val="dk1"/>
-                </a:solidFill>
-              </a:rPr>
-              <a:t> trait. Analysis types (</a:t>
-            </a:r>
-            <a:r>
-              <a:rPr lang="en-US" sz="2800" dirty="0" err="1">
-                <a:solidFill>
-                  <a:schemeClr val="dk1"/>
-                </a:solidFill>
-              </a:rPr>
-              <a:t>tran</a:t>
-            </a:r>
-            <a:r>
-              <a:rPr lang="en-US" sz="2800" dirty="0">
-                <a:solidFill>
-                  <a:schemeClr val="dk1"/>
-                </a:solidFill>
-              </a:rPr>
-              <a:t>/AC/DC/etc.) implement the Analysis trait, which specifies the types of inputs and outputs. Testbench authors implement the </a:t>
-            </a:r>
-            <a:r>
-              <a:rPr lang="en-US" sz="2800" dirty="0" err="1">
+              <a:rPr lang="en-US" sz="3200" dirty="0" err="1">
                 <a:solidFill>
                   <a:schemeClr val="dk1"/>
                 </a:solidFill>
@@ -15221,15 +15201,42 @@
               <a:t>FromSaved</a:t>
             </a:r>
             <a:r>
-              <a:rPr lang="en-US" sz="2800" dirty="0">
+              <a:rPr lang="en-US" sz="3200" dirty="0">
                 <a:solidFill>
                   <a:schemeClr val="dk1"/>
                 </a:solidFill>
               </a:rPr>
-              <a:t> trait to extract quantities of interest from simulation output. Substrate uses your implementation of </a:t>
+              <a:t> trait to extract quantities of interest from simulation output.</a:t>
+            </a:r>
+          </a:p>
+          <a:p>
+            <a:pPr marL="457200" marR="0" lvl="0" indent="-457200" algn="l" rtl="0">
+              <a:lnSpc>
+                <a:spcPct val="120000"/>
+              </a:lnSpc>
+              <a:spcBef>
+                <a:spcPts val="0"/>
+              </a:spcBef>
+              <a:spcAft>
+                <a:spcPts val="0"/>
+              </a:spcAft>
+              <a:buClr>
+                <a:srgbClr val="000000"/>
+              </a:buClr>
+              <a:buSzPts val="2800"/>
+              <a:buFont typeface="Arial" panose="020B0604020202020204" pitchFamily="34" charset="0"/>
+              <a:buChar char="•"/>
+            </a:pPr>
+            <a:r>
+              <a:rPr lang="en-US" sz="3200" dirty="0">
+                <a:solidFill>
+                  <a:schemeClr val="dk1"/>
+                </a:solidFill>
+              </a:rPr>
+              <a:t>Substrate automatically uses </a:t>
             </a:r>
             <a:r>
-              <a:rPr lang="en-US" sz="2800" dirty="0" err="1">
+              <a:rPr lang="en-US" sz="3200" dirty="0" err="1">
                 <a:solidFill>
                   <a:schemeClr val="dk1"/>
                 </a:solidFill>
@@ -15240,12 +15247,39 @@
               <a:t>FromSaved</a:t>
             </a:r>
             <a:r>
-              <a:rPr lang="en-US" sz="2800" dirty="0">
+              <a:rPr lang="en-US" sz="3200" dirty="0">
                 <a:solidFill>
                   <a:schemeClr val="dk1"/>
                 </a:solidFill>
               </a:rPr>
-              <a:t> to automatically insert save statements when generating simulator instructions. Mistakes such as typos in the names of signals to save are caught at compile time.</a:t>
+              <a:t> to insert save statements</a:t>
+            </a:r>
+          </a:p>
+          <a:p>
+            <a:pPr marL="457200" marR="0" lvl="0" indent="-457200" algn="l" rtl="0">
+              <a:lnSpc>
+                <a:spcPct val="120000"/>
+              </a:lnSpc>
+              <a:spcBef>
+                <a:spcPts val="0"/>
+              </a:spcBef>
+              <a:spcAft>
+                <a:spcPts val="0"/>
+              </a:spcAft>
+              <a:buClr>
+                <a:srgbClr val="000000"/>
+              </a:buClr>
+              <a:buSzPts val="2800"/>
+              <a:buFont typeface="Arial" panose="020B0604020202020204" pitchFamily="34" charset="0"/>
+              <a:buChar char="•"/>
+            </a:pPr>
+            <a:r>
+              <a:rPr lang="en-US" sz="3200" dirty="0">
+                <a:solidFill>
+                  <a:schemeClr val="dk1"/>
+                </a:solidFill>
+              </a:rPr>
+              <a:t>Mistakes such as typos in the names of signals to save are caught at compile time.</a:t>
             </a:r>
           </a:p>
         </p:txBody>
@@ -15259,7 +15293,7 @@
         <p:spPr>
           <a:xfrm>
             <a:off x="12430432" y="5420032"/>
-            <a:ext cx="11734800" cy="5262939"/>
+            <a:ext cx="11734800" cy="4819741"/>
           </a:xfrm>
           <a:prstGeom prst="rect">
             <a:avLst/>
@@ -15275,7 +15309,7 @@
           </a:bodyPr>
           <a:lstStyle/>
           <a:p>
-            <a:pPr marL="0" marR="0" lvl="0" indent="0" algn="l" rtl="0">
+            <a:pPr marL="457200" marR="0" lvl="0" indent="-457200" algn="l" rtl="0">
               <a:lnSpc>
                 <a:spcPct val="120000"/>
               </a:lnSpc>
@@ -15289,18 +15323,153 @@
                 <a:srgbClr val="000000"/>
               </a:buClr>
               <a:buSzPts val="2800"/>
-              <a:buFont typeface="Arial"/>
-              <a:buNone/>
+              <a:buFont typeface="Arial" panose="020B0604020202020204" pitchFamily="34" charset="0"/>
+              <a:buChar char="•"/>
             </a:pPr>
             <a:r>
-              <a:rPr lang="en-US" sz="2800" dirty="0">
+              <a:rPr lang="en-US" sz="3200" dirty="0">
                 <a:solidFill>
                   <a:schemeClr val="dk1"/>
                 </a:solidFill>
               </a:rPr>
-              <a:t>Schematics are logically embedded in a schema. A schema provides a set of primitives. For example, the SKY130 PDK is a schema: it provides 1.8V core NMOS/PMOS devices, 3.3V I/O devices, and more. Spice is also a schema: its primitives are raw subcircuit instantiations and generic resistor/capacitor/MOS devices. SCIR (pronounced “scur”) libraries are a collection of hierarchical cells in a schema. You can convert SCIR libraries between compatible schemas. For example, converting SKY130 to Spice requires mapping all Nfet01v8 instances to “X… sky130_fd_pr__nfet_01v8”. Netlist exporters consume SCIR libraries in their preferred schema, and export them to a file.</a:t>
+              <a:t>Schemas provide a set of schematic primitives.</a:t>
             </a:r>
-            <a:endParaRPr sz="1400" b="0" i="0" u="none" strike="noStrike" cap="none" dirty="0">
+          </a:p>
+          <a:p>
+            <a:pPr marL="457200" marR="0" lvl="0" indent="-457200" algn="l" rtl="0">
+              <a:lnSpc>
+                <a:spcPct val="120000"/>
+              </a:lnSpc>
+              <a:spcBef>
+                <a:spcPts val="0"/>
+              </a:spcBef>
+              <a:spcAft>
+                <a:spcPts val="0"/>
+              </a:spcAft>
+              <a:buClr>
+                <a:srgbClr val="000000"/>
+              </a:buClr>
+              <a:buSzPts val="2800"/>
+              <a:buFont typeface="Arial" panose="020B0604020202020204" pitchFamily="34" charset="0"/>
+              <a:buChar char="•"/>
+            </a:pPr>
+            <a:r>
+              <a:rPr lang="en-US" sz="3200" dirty="0">
+                <a:solidFill>
+                  <a:schemeClr val="dk1"/>
+                </a:solidFill>
+              </a:rPr>
+              <a:t>Ex: the SKY130 PDK provides core and IO devices</a:t>
+            </a:r>
+          </a:p>
+          <a:p>
+            <a:pPr marL="457200" marR="0" lvl="0" indent="-457200" algn="l" rtl="0">
+              <a:lnSpc>
+                <a:spcPct val="120000"/>
+              </a:lnSpc>
+              <a:spcBef>
+                <a:spcPts val="0"/>
+              </a:spcBef>
+              <a:spcAft>
+                <a:spcPts val="0"/>
+              </a:spcAft>
+              <a:buClr>
+                <a:srgbClr val="000000"/>
+              </a:buClr>
+              <a:buSzPts val="2800"/>
+              <a:buFont typeface="Arial" panose="020B0604020202020204" pitchFamily="34" charset="0"/>
+              <a:buChar char="•"/>
+            </a:pPr>
+            <a:r>
+              <a:rPr lang="en-US" sz="3200" dirty="0">
+                <a:solidFill>
+                  <a:schemeClr val="dk1"/>
+                </a:solidFill>
+              </a:rPr>
+              <a:t>Ex: Spice provides raw subcircuits, resistors, capacitors, etc.</a:t>
+            </a:r>
+          </a:p>
+          <a:p>
+            <a:pPr marL="457200" marR="0" lvl="0" indent="-457200" algn="l" rtl="0">
+              <a:lnSpc>
+                <a:spcPct val="120000"/>
+              </a:lnSpc>
+              <a:spcBef>
+                <a:spcPts val="0"/>
+              </a:spcBef>
+              <a:spcAft>
+                <a:spcPts val="0"/>
+              </a:spcAft>
+              <a:buClr>
+                <a:srgbClr val="000000"/>
+              </a:buClr>
+              <a:buSzPts val="2800"/>
+              <a:buFont typeface="Arial" panose="020B0604020202020204" pitchFamily="34" charset="0"/>
+              <a:buChar char="•"/>
+            </a:pPr>
+            <a:r>
+              <a:rPr lang="en-US" sz="3200" dirty="0">
+                <a:solidFill>
+                  <a:schemeClr val="dk1"/>
+                </a:solidFill>
+              </a:rPr>
+              <a:t>SCIR libraries are a collection of hierarchical cells in a schema</a:t>
+            </a:r>
+          </a:p>
+          <a:p>
+            <a:pPr marL="457200" marR="0" lvl="0" indent="-457200" algn="l" rtl="0">
+              <a:lnSpc>
+                <a:spcPct val="120000"/>
+              </a:lnSpc>
+              <a:spcBef>
+                <a:spcPts val="0"/>
+              </a:spcBef>
+              <a:spcAft>
+                <a:spcPts val="0"/>
+              </a:spcAft>
+              <a:buClr>
+                <a:srgbClr val="000000"/>
+              </a:buClr>
+              <a:buSzPts val="2800"/>
+              <a:buFont typeface="Arial" panose="020B0604020202020204" pitchFamily="34" charset="0"/>
+              <a:buChar char="•"/>
+            </a:pPr>
+            <a:r>
+              <a:rPr lang="en-US" sz="3200" dirty="0">
+                <a:solidFill>
+                  <a:schemeClr val="dk1"/>
+                </a:solidFill>
+              </a:rPr>
+              <a:t>Can convert SCIR libraries between compatible schemas. </a:t>
+            </a:r>
+          </a:p>
+          <a:p>
+            <a:pPr marL="457200" marR="0" lvl="0" indent="-457200" algn="l" rtl="0">
+              <a:lnSpc>
+                <a:spcPct val="120000"/>
+              </a:lnSpc>
+              <a:spcBef>
+                <a:spcPts val="0"/>
+              </a:spcBef>
+              <a:spcAft>
+                <a:spcPts val="0"/>
+              </a:spcAft>
+              <a:buClr>
+                <a:srgbClr val="000000"/>
+              </a:buClr>
+              <a:buSzPts val="2800"/>
+              <a:buFont typeface="Arial" panose="020B0604020202020204" pitchFamily="34" charset="0"/>
+              <a:buChar char="•"/>
+            </a:pPr>
+            <a:r>
+              <a:rPr lang="en-US" sz="3200" dirty="0">
+                <a:solidFill>
+                  <a:schemeClr val="dk1"/>
+                </a:solidFill>
+              </a:rPr>
+              <a:t>Netlist exporters consume SCIR libraries in their preferred schema and export them to a file.</a:t>
+            </a:r>
+            <a:endParaRPr sz="3200" b="0" i="0" u="none" strike="noStrike" cap="none" dirty="0">
               <a:solidFill>
                 <a:srgbClr val="000000"/>
               </a:solidFill>
@@ -15321,7 +15490,7 @@
         <p:spPr>
           <a:xfrm>
             <a:off x="24479882" y="5475888"/>
-            <a:ext cx="11734800" cy="2677616"/>
+            <a:ext cx="11734800" cy="2456017"/>
           </a:xfrm>
           <a:prstGeom prst="rect">
             <a:avLst/>
@@ -15337,7 +15506,7 @@
           </a:bodyPr>
           <a:lstStyle/>
           <a:p>
-            <a:pPr marL="0" marR="0" lvl="0" indent="0" algn="l" rtl="0">
+            <a:pPr marL="457200" marR="0" lvl="0" indent="-457200" algn="l" rtl="0">
               <a:lnSpc>
                 <a:spcPct val="120000"/>
               </a:lnSpc>
@@ -15351,34 +15520,45 @@
                 <a:srgbClr val="000000"/>
               </a:buClr>
               <a:buSzPts val="2800"/>
-              <a:buFont typeface="Arial"/>
-              <a:buNone/>
+              <a:buFont typeface="Arial" panose="020B0604020202020204" pitchFamily="34" charset="0"/>
+              <a:buChar char="•"/>
             </a:pPr>
             <a:r>
-              <a:rPr lang="en-US" sz="2800" dirty="0">
+              <a:rPr lang="en-US" sz="3200" dirty="0">
                 <a:solidFill>
                   <a:schemeClr val="dk1"/>
                 </a:solidFill>
               </a:rPr>
-              <a:t>ATOLL leverages the flexibility of Substrate’s layout and schematic APIs to let you construct layout and schematic at the same time. When you instantiate ATOLL tiles, ATOLL tracks both their schematic and layout </a:t>
+              <a:t>ATOLL tracks schematic and layout state simultaneously</a:t>
             </a:r>
+          </a:p>
+          <a:p>
+            <a:pPr marL="457200" marR="0" lvl="0" indent="-457200" algn="l" rtl="0">
+              <a:lnSpc>
+                <a:spcPct val="120000"/>
+              </a:lnSpc>
+              <a:spcBef>
+                <a:spcPts val="0"/>
+              </a:spcBef>
+              <a:spcAft>
+                <a:spcPts val="0"/>
+              </a:spcAft>
+              <a:buClr>
+                <a:srgbClr val="000000"/>
+              </a:buClr>
+              <a:buSzPts val="2800"/>
+              <a:buFont typeface="Arial" panose="020B0604020202020204" pitchFamily="34" charset="0"/>
+              <a:buChar char="•"/>
+            </a:pPr>
             <a:r>
-              <a:rPr lang="en-US" sz="2800" dirty="0" err="1">
+              <a:rPr lang="en-US" sz="3200" dirty="0">
                 <a:solidFill>
                   <a:schemeClr val="dk1"/>
                 </a:solidFill>
               </a:rPr>
-              <a:t>represenations</a:t>
+              <a:t>ATOLL determines which schematic nodes must be connected and instructs a routing algorithm to connect them in layout</a:t>
             </a:r>
-            <a:r>
-              <a:rPr lang="en-US" sz="2800" dirty="0">
-                <a:solidFill>
-                  <a:schemeClr val="dk1"/>
-                </a:solidFill>
-              </a:rPr>
-              <a:t>. ATOLL then determines which schematic nodes must be connected and instructs a routing algorithm to connect them in layout.</a:t>
-            </a:r>
-            <a:endParaRPr sz="1400" b="0" i="0" u="none" strike="noStrike" cap="none" dirty="0">
+            <a:endParaRPr sz="3200" b="0" i="0" u="none" strike="noStrike" cap="none" dirty="0">
               <a:solidFill>
                 <a:srgbClr val="000000"/>
               </a:solidFill>
@@ -15398,7 +15578,7 @@
         </p:nvSpPr>
         <p:spPr>
           <a:xfrm>
-            <a:off x="24479876" y="11121575"/>
+            <a:off x="26151019" y="11121575"/>
             <a:ext cx="11715000" cy="400200"/>
           </a:xfrm>
           <a:prstGeom prst="rect">
@@ -15461,7 +15641,7 @@
         <p:spPr>
           <a:xfrm>
             <a:off x="12432050" y="15595020"/>
-            <a:ext cx="11734800" cy="7331197"/>
+            <a:ext cx="11734800" cy="6592534"/>
           </a:xfrm>
           <a:prstGeom prst="rect">
             <a:avLst/>
@@ -15477,7 +15657,7 @@
           </a:bodyPr>
           <a:lstStyle/>
           <a:p>
-            <a:pPr marL="0" marR="0" lvl="0" indent="0" algn="l" rtl="0">
+            <a:pPr marL="457200" marR="0" lvl="0" indent="-457200" algn="l" rtl="0">
               <a:lnSpc>
                 <a:spcPct val="120000"/>
               </a:lnSpc>
@@ -15491,11 +15671,11 @@
                 <a:srgbClr val="000000"/>
               </a:buClr>
               <a:buSzPts val="2800"/>
-              <a:buFont typeface="Arial"/>
-              <a:buNone/>
+              <a:buFont typeface="Arial" panose="020B0604020202020204" pitchFamily="34" charset="0"/>
+              <a:buChar char="•"/>
             </a:pPr>
             <a:r>
-              <a:rPr lang="en-US" sz="2800" b="0" i="0" u="none" strike="noStrike" cap="none" dirty="0">
+              <a:rPr lang="en-US" sz="3200" b="0" i="0" u="none" strike="noStrike" cap="none" dirty="0">
                 <a:solidFill>
                   <a:schemeClr val="dk1"/>
                 </a:solidFill>
@@ -15504,10 +15684,49 @@
                 <a:cs typeface="Arial"/>
                 <a:sym typeface="Arial"/>
               </a:rPr>
-              <a:t>Automatic translation of logical layout (ATOLL) is a library that provides an opinionated set of abstractions for </a:t>
+              <a:t>ATOLL: Automatic translation of logical layout</a:t>
+            </a:r>
+          </a:p>
+          <a:p>
+            <a:pPr marL="457200" marR="0" lvl="0" indent="-457200" algn="l" rtl="0">
+              <a:lnSpc>
+                <a:spcPct val="120000"/>
+              </a:lnSpc>
+              <a:spcBef>
+                <a:spcPts val="0"/>
+              </a:spcBef>
+              <a:spcAft>
+                <a:spcPts val="0"/>
+              </a:spcAft>
+              <a:buClr>
+                <a:srgbClr val="000000"/>
+              </a:buClr>
+              <a:buSzPts val="2800"/>
+              <a:buFont typeface="Arial" panose="020B0604020202020204" pitchFamily="34" charset="0"/>
+              <a:buChar char="•"/>
+            </a:pPr>
+            <a:r>
+              <a:rPr lang="en-US" sz="3200" dirty="0">
+                <a:solidFill>
+                  <a:schemeClr val="dk1"/>
+                </a:solidFill>
+              </a:rPr>
+              <a:t>An </a:t>
             </a:r>
             <a:r>
-              <a:rPr lang="en-US" sz="2800" b="0" i="0" u="none" strike="noStrike" cap="none" dirty="0" err="1">
+              <a:rPr lang="en-US" sz="3200" b="0" i="0" u="none" strike="noStrike" cap="none" dirty="0">
+                <a:solidFill>
+                  <a:schemeClr val="dk1"/>
+                </a:solidFill>
+                <a:latin typeface="Arial"/>
+                <a:ea typeface="Arial"/>
+                <a:cs typeface="Arial"/>
+                <a:sym typeface="Arial"/>
+              </a:rPr>
+              <a:t>opinionated set of abstractions for </a:t>
+            </a:r>
+            <a:r>
+              <a:rPr lang="en-US" sz="3200" b="0" i="0" u="none" strike="noStrike" cap="none" dirty="0" err="1">
                 <a:solidFill>
                   <a:schemeClr val="dk1"/>
                 </a:solidFill>
@@ -15519,7 +15738,7 @@
               <a:t>tileable</a:t>
             </a:r>
             <a:r>
-              <a:rPr lang="en-US" sz="2800" b="0" i="0" u="none" strike="noStrike" cap="none" dirty="0">
+              <a:rPr lang="en-US" sz="3200" b="0" i="0" u="none" strike="noStrike" cap="none" dirty="0">
                 <a:solidFill>
                   <a:schemeClr val="dk1"/>
                 </a:solidFill>
@@ -15528,16 +15747,16 @@
                 <a:cs typeface="Arial"/>
                 <a:sym typeface="Arial"/>
               </a:rPr>
-              <a:t> layout. ATOLL requires that metal layers alternate preferred routing directions. ATOLL creates routing grids on each pair of layers: the M0 grid is formed by M0/M1, the M1 grid is formed by M0/M1, the M2 grid is formed by M1/M2, and so on. A tile using layers up to MN must encompass an integer number of grid points on M0, M1, …, MN.</a:t>
+              <a:t> layout</a:t>
             </a:r>
-            <a:endParaRPr lang="en-US" sz="2800" dirty="0">
+            <a:endParaRPr lang="en-US" sz="3200" dirty="0">
               <a:solidFill>
                 <a:schemeClr val="dk1"/>
               </a:solidFill>
             </a:endParaRPr>
           </a:p>
           <a:p>
-            <a:pPr marL="0" marR="0" lvl="0" indent="0" algn="l" rtl="0">
+            <a:pPr marL="457200" marR="0" lvl="0" indent="-457200" algn="l" rtl="0">
               <a:lnSpc>
                 <a:spcPct val="120000"/>
               </a:lnSpc>
@@ -15551,11 +15770,11 @@
                 <a:srgbClr val="000000"/>
               </a:buClr>
               <a:buSzPts val="2800"/>
-              <a:buFont typeface="Arial"/>
-              <a:buNone/>
+              <a:buFont typeface="Arial" panose="020B0604020202020204" pitchFamily="34" charset="0"/>
+              <a:buChar char="•"/>
             </a:pPr>
             <a:r>
-              <a:rPr lang="en-US" sz="2800" b="0" i="0" u="none" strike="noStrike" cap="none" dirty="0">
+              <a:rPr lang="en-US" sz="3200" b="0" i="0" u="none" strike="noStrike" cap="none" dirty="0">
                 <a:solidFill>
                   <a:schemeClr val="dk1"/>
                 </a:solidFill>
@@ -15564,10 +15783,56 @@
                 <a:cs typeface="Arial"/>
                 <a:sym typeface="Arial"/>
               </a:rPr>
-              <a:t>To use ATOLL, users instantiate and place ATOLL tiles, do any “manual” layout (perhaps including routing), then invoke the ATOLL auto router. The </a:t>
+              <a:t>Discrete, uniform routing grid on each routing layer</a:t>
             </a:r>
+          </a:p>
+          <a:p>
+            <a:pPr marL="457200" marR="0" lvl="0" indent="-457200" algn="l" rtl="0">
+              <a:lnSpc>
+                <a:spcPct val="120000"/>
+              </a:lnSpc>
+              <a:spcBef>
+                <a:spcPts val="0"/>
+              </a:spcBef>
+              <a:spcAft>
+                <a:spcPts val="0"/>
+              </a:spcAft>
+              <a:buClr>
+                <a:srgbClr val="000000"/>
+              </a:buClr>
+              <a:buSzPts val="2800"/>
+              <a:buFont typeface="Arial" panose="020B0604020202020204" pitchFamily="34" charset="0"/>
+              <a:buChar char="•"/>
+            </a:pPr>
             <a:r>
-              <a:rPr lang="en-US" sz="2800" b="0" i="0" u="none" strike="noStrike" cap="none" dirty="0" err="1">
+              <a:rPr lang="en-US" sz="3200" dirty="0">
+                <a:solidFill>
+                  <a:schemeClr val="dk1"/>
+                </a:solidFill>
+              </a:rPr>
+              <a:t>Users instantiate and place ATOLL tiles, do manual layout, then invoke auto router</a:t>
+            </a:r>
+          </a:p>
+          <a:p>
+            <a:pPr marL="457200" marR="0" lvl="0" indent="-457200" algn="l" rtl="0">
+              <a:lnSpc>
+                <a:spcPct val="120000"/>
+              </a:lnSpc>
+              <a:spcBef>
+                <a:spcPts val="0"/>
+              </a:spcBef>
+              <a:spcAft>
+                <a:spcPts val="0"/>
+              </a:spcAft>
+              <a:buClr>
+                <a:srgbClr val="000000"/>
+              </a:buClr>
+              <a:buSzPts val="2800"/>
+              <a:buFont typeface="Arial" panose="020B0604020202020204" pitchFamily="34" charset="0"/>
+              <a:buChar char="•"/>
+            </a:pPr>
+            <a:r>
+              <a:rPr lang="en-US" sz="3200" b="0" i="0" u="none" strike="noStrike" cap="none" dirty="0">
                 <a:solidFill>
                   <a:schemeClr val="dk1"/>
                 </a:solidFill>
@@ -15576,10 +15841,37 @@
                 <a:cs typeface="Arial"/>
                 <a:sym typeface="Arial"/>
               </a:rPr>
-              <a:t>autorouter</a:t>
+              <a:t>The auto router connects net fragments that aren’t already connected</a:t>
+            </a:r>
+          </a:p>
+          <a:p>
+            <a:pPr marL="457200" marR="0" lvl="0" indent="-457200" algn="l" rtl="0">
+              <a:lnSpc>
+                <a:spcPct val="120000"/>
+              </a:lnSpc>
+              <a:spcBef>
+                <a:spcPts val="0"/>
+              </a:spcBef>
+              <a:spcAft>
+                <a:spcPts val="0"/>
+              </a:spcAft>
+              <a:buClr>
+                <a:srgbClr val="000000"/>
+              </a:buClr>
+              <a:buSzPts val="2800"/>
+              <a:buFont typeface="Arial" panose="020B0604020202020204" pitchFamily="34" charset="0"/>
+              <a:buChar char="•"/>
+            </a:pPr>
+            <a:r>
+              <a:rPr lang="en-US" sz="3200" dirty="0">
+                <a:solidFill>
+                  <a:schemeClr val="dk1"/>
+                </a:solidFill>
+              </a:rPr>
+              <a:t>Can </a:t>
             </a:r>
             <a:r>
-              <a:rPr lang="en-US" sz="2800" b="0" i="0" u="none" strike="noStrike" cap="none" dirty="0">
+              <a:rPr lang="en-US" sz="3200" b="0" i="0" u="none" strike="noStrike" cap="none" dirty="0">
                 <a:solidFill>
                   <a:schemeClr val="dk1"/>
                 </a:solidFill>
@@ -15588,18 +15880,29 @@
                 <a:cs typeface="Arial"/>
                 <a:sym typeface="Arial"/>
               </a:rPr>
-              <a:t> </a:t>
+              <a:t>create primitive ATOLL tiles using any type that implements Layout</a:t>
             </a:r>
+          </a:p>
+          <a:p>
+            <a:pPr marL="457200" marR="0" lvl="0" indent="-457200" algn="l" rtl="0">
+              <a:lnSpc>
+                <a:spcPct val="120000"/>
+              </a:lnSpc>
+              <a:spcBef>
+                <a:spcPts val="0"/>
+              </a:spcBef>
+              <a:spcAft>
+                <a:spcPts val="0"/>
+              </a:spcAft>
+              <a:buClr>
+                <a:srgbClr val="000000"/>
+              </a:buClr>
+              <a:buSzPts val="2800"/>
+              <a:buFont typeface="Arial" panose="020B0604020202020204" pitchFamily="34" charset="0"/>
+              <a:buChar char="•"/>
+            </a:pPr>
             <a:r>
-              <a:rPr lang="en-US" sz="2800" dirty="0">
-                <a:solidFill>
-                  <a:schemeClr val="dk1"/>
-                </a:solidFill>
-              </a:rPr>
-              <a:t>draws tracks and vias to </a:t>
-            </a:r>
-            <a:r>
-              <a:rPr lang="en-US" sz="2800" b="0" i="0" u="none" strike="noStrike" cap="none" dirty="0">
+              <a:rPr lang="en-US" sz="3200" b="0" i="0" u="none" strike="noStrike" cap="none" dirty="0">
                 <a:solidFill>
                   <a:schemeClr val="dk1"/>
                 </a:solidFill>
@@ -15608,45 +15911,9 @@
                 <a:cs typeface="Arial"/>
                 <a:sym typeface="Arial"/>
               </a:rPr>
-              <a:t>connect net fragments that aren’t already connected.</a:t>
+              <a:t>ATOLL extracts an abstract view that indicates the routing state of each grid point</a:t>
             </a:r>
-            <a:endParaRPr lang="en-US" sz="2800" dirty="0">
-              <a:solidFill>
-                <a:schemeClr val="dk1"/>
-              </a:solidFill>
-            </a:endParaRPr>
-          </a:p>
-          <a:p>
-            <a:pPr marL="0" marR="0" lvl="0" indent="0" algn="l" rtl="0">
-              <a:lnSpc>
-                <a:spcPct val="120000"/>
-              </a:lnSpc>
-              <a:spcBef>
-                <a:spcPts val="0"/>
-              </a:spcBef>
-              <a:spcAft>
-                <a:spcPts val="0"/>
-              </a:spcAft>
-              <a:buClr>
-                <a:srgbClr val="000000"/>
-              </a:buClr>
-              <a:buSzPts val="2800"/>
-              <a:buFont typeface="Arial"/>
-              <a:buNone/>
-            </a:pPr>
-            <a:r>
-              <a:rPr lang="en-US" sz="2800" b="0" i="0" u="none" strike="noStrike" cap="none" dirty="0">
-                <a:solidFill>
-                  <a:schemeClr val="dk1"/>
-                </a:solidFill>
-                <a:latin typeface="Arial"/>
-                <a:ea typeface="Arial"/>
-                <a:cs typeface="Arial"/>
-                <a:sym typeface="Arial"/>
-              </a:rPr>
-              <a:t>Users can create primitive ATOLL tiles using any type that implements Layout. ATOLL will extract an abstract view that indicates which grid points are blocked or available for routing.</a:t>
-            </a:r>
-            <a:endParaRPr sz="2800" b="0" i="0" u="none" strike="noStrike" cap="none" dirty="0">
+            <a:endParaRPr sz="3200" b="0" i="0" u="none" strike="noStrike" cap="none" dirty="0">
               <a:solidFill>
                 <a:schemeClr val="dk1"/>
               </a:solidFill>
@@ -15731,7 +15998,7 @@
         </p:nvSpPr>
         <p:spPr>
           <a:xfrm>
-            <a:off x="18820435" y="25374325"/>
+            <a:off x="18820435" y="24806767"/>
             <a:ext cx="4386805" cy="1809696"/>
           </a:xfrm>
           <a:prstGeom prst="rect">
@@ -15748,7 +16015,7 @@
           </a:bodyPr>
           <a:lstStyle/>
           <a:p>
-            <a:pPr marL="0" lvl="0" indent="0" algn="ctr" rtl="0">
+            <a:pPr marL="0" lvl="0" indent="0" rtl="0">
               <a:lnSpc>
                 <a:spcPct val="120000"/>
               </a:lnSpc>
@@ -15785,7 +16052,7 @@
         <p:spPr>
           <a:xfrm>
             <a:off x="24479875" y="12663745"/>
-            <a:ext cx="11734800" cy="1643486"/>
+            <a:ext cx="11734800" cy="1274155"/>
           </a:xfrm>
           <a:prstGeom prst="rect">
             <a:avLst/>
@@ -15801,7 +16068,7 @@
           </a:bodyPr>
           <a:lstStyle/>
           <a:p>
-            <a:pPr marL="0" marR="0" lvl="0" indent="0" algn="l" rtl="0">
+            <a:pPr marL="457200" marR="0" lvl="0" indent="-457200" algn="l" rtl="0">
               <a:lnSpc>
                 <a:spcPct val="120000"/>
               </a:lnSpc>
@@ -15815,19 +16082,19 @@
                 <a:srgbClr val="000000"/>
               </a:buClr>
               <a:buSzPts val="2800"/>
-              <a:buFont typeface="Arial"/>
-              <a:buNone/>
+              <a:buFont typeface="Arial" panose="020B0604020202020204" pitchFamily="34" charset="0"/>
+              <a:buChar char="•"/>
             </a:pPr>
             <a:r>
-              <a:rPr lang="en-US" sz="2800" dirty="0">
+              <a:rPr lang="en-US" sz="3200" dirty="0">
                 <a:solidFill>
                   <a:schemeClr val="dk1"/>
                 </a:solidFill>
               </a:rPr>
-              <a:t>As an example, we created a </a:t>
+              <a:t>Example: </a:t>
             </a:r>
             <a:r>
-              <a:rPr lang="en-US" sz="2800" dirty="0" err="1">
+              <a:rPr lang="en-US" sz="3200" dirty="0" err="1">
                 <a:solidFill>
                   <a:schemeClr val="dk1"/>
                 </a:solidFill>
@@ -15835,14 +16102,41 @@
               <a:t>StrongARM</a:t>
             </a:r>
             <a:r>
-              <a:rPr lang="en-US" sz="2800" dirty="0">
+              <a:rPr lang="en-US" sz="3200" dirty="0">
                 <a:solidFill>
                   <a:schemeClr val="dk1"/>
                 </a:solidFill>
               </a:rPr>
-              <a:t> comparator in Sky130. You can adjust transistor sizes (within reason) and get a DRC/LVS clean layout in seconds.</a:t>
+              <a:t> comparator in Sky130.</a:t>
             </a:r>
-            <a:endParaRPr sz="2800" b="0" i="0" u="none" strike="noStrike" cap="none" dirty="0">
+          </a:p>
+          <a:p>
+            <a:pPr marL="457200" marR="0" lvl="0" indent="-457200" algn="l" rtl="0">
+              <a:lnSpc>
+                <a:spcPct val="120000"/>
+              </a:lnSpc>
+              <a:spcBef>
+                <a:spcPts val="0"/>
+              </a:spcBef>
+              <a:spcAft>
+                <a:spcPts val="0"/>
+              </a:spcAft>
+              <a:buClr>
+                <a:srgbClr val="000000"/>
+              </a:buClr>
+              <a:buSzPts val="2800"/>
+              <a:buFont typeface="Arial" panose="020B0604020202020204" pitchFamily="34" charset="0"/>
+              <a:buChar char="•"/>
+            </a:pPr>
+            <a:r>
+              <a:rPr lang="en-US" sz="3200" dirty="0">
+                <a:solidFill>
+                  <a:schemeClr val="dk1"/>
+                </a:solidFill>
+              </a:rPr>
+              <a:t>Can adjust transistor sizes and get a DRC/LVS clean layout</a:t>
+            </a:r>
+            <a:endParaRPr sz="3200" b="0" i="0" u="none" strike="noStrike" cap="none" dirty="0">
               <a:solidFill>
                 <a:schemeClr val="dk1"/>
               </a:solidFill>
@@ -15906,7 +16200,7 @@
         </p:blipFill>
         <p:spPr>
           <a:xfrm>
-            <a:off x="327687" y="10595414"/>
+            <a:off x="327687" y="10122449"/>
             <a:ext cx="5158714" cy="2676028"/>
           </a:xfrm>
           <a:prstGeom prst="rect">
@@ -15936,7 +16230,7 @@
         </p:blipFill>
         <p:spPr>
           <a:xfrm>
-            <a:off x="5486401" y="10595414"/>
+            <a:off x="5486401" y="10122449"/>
             <a:ext cx="6530669" cy="2676028"/>
           </a:xfrm>
           <a:prstGeom prst="rect">
@@ -15966,7 +16260,7 @@
         </p:blipFill>
         <p:spPr>
           <a:xfrm>
-            <a:off x="12420600" y="23069866"/>
+            <a:off x="12420600" y="22502308"/>
             <a:ext cx="6098894" cy="4294269"/>
           </a:xfrm>
           <a:prstGeom prst="rect">
@@ -15996,7 +16290,7 @@
         </p:blipFill>
         <p:spPr>
           <a:xfrm>
-            <a:off x="19159835" y="22770547"/>
+            <a:off x="19159835" y="22202989"/>
             <a:ext cx="4047405" cy="2345318"/>
           </a:xfrm>
           <a:prstGeom prst="rect">
@@ -16019,7 +16313,7 @@
         <p:spPr>
           <a:xfrm>
             <a:off x="24460076" y="23520343"/>
-            <a:ext cx="11734800" cy="3711745"/>
+            <a:ext cx="12115924" cy="3637879"/>
           </a:xfrm>
           <a:prstGeom prst="rect">
             <a:avLst/>
@@ -16035,7 +16329,7 @@
           </a:bodyPr>
           <a:lstStyle/>
           <a:p>
-            <a:pPr marL="0" marR="0" lvl="0" indent="0" algn="l" rtl="0">
+            <a:pPr marR="0" lvl="0" algn="l" rtl="0">
               <a:lnSpc>
                 <a:spcPct val="120000"/>
               </a:lnSpc>
@@ -16049,11 +16343,9 @@
                 <a:srgbClr val="000000"/>
               </a:buClr>
               <a:buSzPts val="2800"/>
-              <a:buFont typeface="Arial"/>
-              <a:buNone/>
             </a:pPr>
             <a:r>
-              <a:rPr lang="en-US" sz="2800" b="0" i="0" u="none" strike="noStrike" cap="none" dirty="0">
+              <a:rPr lang="en-US" sz="3200" b="0" i="0" u="none" strike="noStrike" cap="none" dirty="0">
                 <a:solidFill>
                   <a:schemeClr val="dk1"/>
                 </a:solidFill>
@@ -16066,7 +16358,7 @@
             </a:r>
           </a:p>
           <a:p>
-            <a:pPr marL="0" marR="0" lvl="0" indent="0" algn="l" rtl="0">
+            <a:pPr marL="457200" marR="0" lvl="0" indent="-457200" algn="l" rtl="0">
               <a:lnSpc>
                 <a:spcPct val="120000"/>
               </a:lnSpc>
@@ -16080,19 +16372,11 @@
                 <a:srgbClr val="000000"/>
               </a:buClr>
               <a:buSzPts val="2800"/>
-              <a:buFont typeface="Arial"/>
-              <a:buNone/>
+              <a:buFont typeface="Arial" panose="020B0604020202020204" pitchFamily="34" charset="0"/>
+              <a:buChar char="•"/>
             </a:pPr>
             <a:r>
-              <a:rPr lang="en-US" sz="2800" dirty="0">
-                <a:solidFill>
-                  <a:schemeClr val="dk1"/>
-                </a:solidFill>
-              </a:rPr>
-              <a:t>- </a:t>
-            </a:r>
-            <a:r>
-              <a:rPr lang="en-US" sz="2800" dirty="0" err="1">
+              <a:rPr lang="en-US" sz="3200" dirty="0" err="1">
                 <a:solidFill>
                   <a:schemeClr val="dk1"/>
                 </a:solidFill>
@@ -16100,7 +16384,7 @@
               <a:t>FinFET</a:t>
             </a:r>
             <a:r>
-              <a:rPr lang="en-US" sz="2800" dirty="0">
+              <a:rPr lang="en-US" sz="3200" dirty="0">
                 <a:solidFill>
                   <a:schemeClr val="dk1"/>
                 </a:solidFill>
@@ -16109,7 +16393,7 @@
             </a:r>
           </a:p>
           <a:p>
-            <a:pPr marL="0" marR="0" lvl="0" indent="0" algn="l" rtl="0">
+            <a:pPr marL="457200" marR="0" lvl="0" indent="-457200" algn="l" rtl="0">
               <a:lnSpc>
                 <a:spcPct val="120000"/>
               </a:lnSpc>
@@ -16123,20 +16407,20 @@
                 <a:srgbClr val="000000"/>
               </a:buClr>
               <a:buSzPts val="2800"/>
-              <a:buFont typeface="Arial"/>
-              <a:buNone/>
+              <a:buFont typeface="Arial" panose="020B0604020202020204" pitchFamily="34" charset="0"/>
+              <a:buChar char="•"/>
             </a:pPr>
             <a:r>
-              <a:rPr lang="en-US" sz="2800" dirty="0">
+              <a:rPr lang="en-US" sz="3200" dirty="0">
                 <a:solidFill>
                   <a:schemeClr val="dk1"/>
                 </a:solidFill>
               </a:rPr>
-              <a:t>- PEX simulation with automatic node matching</a:t>
+              <a:t>PEX simulation with automatic node matching</a:t>
             </a:r>
           </a:p>
           <a:p>
-            <a:pPr marL="0" marR="0" lvl="0" indent="0" algn="l" rtl="0">
+            <a:pPr marL="457200" marR="0" lvl="0" indent="-457200" algn="l" rtl="0">
               <a:lnSpc>
                 <a:spcPct val="120000"/>
               </a:lnSpc>
@@ -16150,11 +16434,11 @@
                 <a:srgbClr val="000000"/>
               </a:buClr>
               <a:buSzPts val="2800"/>
-              <a:buFont typeface="Arial"/>
-              <a:buNone/>
+              <a:buFont typeface="Arial" panose="020B0604020202020204" pitchFamily="34" charset="0"/>
+              <a:buChar char="•"/>
             </a:pPr>
             <a:r>
-              <a:rPr lang="en-US" sz="2800" b="0" i="0" u="none" strike="noStrike" cap="none" dirty="0">
+              <a:rPr lang="en-US" sz="3200" b="0" i="0" u="none" strike="noStrike" cap="none" dirty="0">
                 <a:solidFill>
                   <a:schemeClr val="dk1"/>
                 </a:solidFill>
@@ -16163,11 +16447,16 @@
                 <a:cs typeface="Arial"/>
                 <a:sym typeface="Arial"/>
               </a:rPr>
-              <a:t>- Automatic LEF/LIB generation</a:t>
+              <a:t>Automatic LEF/LIB generation</a:t>
             </a:r>
+            <a:endParaRPr lang="en-US" sz="3200" dirty="0">
+              <a:solidFill>
+                <a:schemeClr val="dk1"/>
+              </a:solidFill>
+            </a:endParaRPr>
           </a:p>
           <a:p>
-            <a:pPr marL="0" marR="0" lvl="0" indent="0" algn="l" rtl="0">
+            <a:pPr marL="457200" marR="0" lvl="0" indent="-457200" algn="l" rtl="0">
               <a:lnSpc>
                 <a:spcPct val="120000"/>
               </a:lnSpc>
@@ -16181,38 +16470,11 @@
                 <a:srgbClr val="000000"/>
               </a:buClr>
               <a:buSzPts val="2800"/>
-              <a:buFont typeface="Arial"/>
-              <a:buNone/>
+              <a:buFont typeface="Arial" panose="020B0604020202020204" pitchFamily="34" charset="0"/>
+              <a:buChar char="•"/>
             </a:pPr>
             <a:r>
-              <a:rPr lang="en-US" sz="2800" dirty="0">
-                <a:solidFill>
-                  <a:schemeClr val="dk1"/>
-                </a:solidFill>
-              </a:rPr>
-              <a:t>- Better support for other processes</a:t>
-            </a:r>
-          </a:p>
-          <a:p>
-            <a:pPr marL="0" marR="0" lvl="0" indent="0" algn="l" rtl="0">
-              <a:lnSpc>
-                <a:spcPct val="120000"/>
-              </a:lnSpc>
-              <a:spcBef>
-                <a:spcPts val="0"/>
-              </a:spcBef>
-              <a:spcAft>
-                <a:spcPts val="0"/>
-              </a:spcAft>
-              <a:buClr>
-                <a:srgbClr val="000000"/>
-              </a:buClr>
-              <a:buSzPts val="2800"/>
-              <a:buFont typeface="Arial"/>
-              <a:buNone/>
-            </a:pPr>
-            <a:r>
-              <a:rPr lang="en-US" sz="2800" b="0" i="0" u="none" strike="noStrike" cap="none" dirty="0">
+              <a:rPr lang="en-US" sz="3200" b="0" i="0" u="none" strike="noStrike" cap="none" dirty="0">
                 <a:solidFill>
                   <a:schemeClr val="dk1"/>
                 </a:solidFill>
@@ -16221,10 +16483,10 @@
                 <a:cs typeface="Arial"/>
                 <a:sym typeface="Arial"/>
               </a:rPr>
-              <a:t>- Demonstrate the use of Substrate for larger analog systems (</a:t>
+              <a:t>Use Substrate for larger analog systems (</a:t>
             </a:r>
             <a:r>
-              <a:rPr lang="en-US" sz="2800" b="0" i="0" u="none" strike="noStrike" cap="none" dirty="0" err="1">
+              <a:rPr lang="en-US" sz="3200" b="0" i="0" u="none" strike="noStrike" cap="none" dirty="0" err="1">
                 <a:solidFill>
                   <a:schemeClr val="dk1"/>
                 </a:solidFill>
@@ -16236,7 +16498,7 @@
               <a:t>eg.</a:t>
             </a:r>
             <a:r>
-              <a:rPr lang="en-US" sz="2800" b="0" i="0" u="none" strike="noStrike" cap="none" dirty="0">
+              <a:rPr lang="en-US" sz="3200" b="0" i="0" u="none" strike="noStrike" cap="none" dirty="0">
                 <a:solidFill>
                   <a:schemeClr val="dk1"/>
                 </a:solidFill>
@@ -16248,7 +16510,7 @@
               <a:t> </a:t>
             </a:r>
             <a:r>
-              <a:rPr lang="en-US" sz="2800" b="0" i="0" u="none" strike="noStrike" cap="none" dirty="0" err="1">
+              <a:rPr lang="en-US" sz="3200" b="0" i="0" u="none" strike="noStrike" cap="none" dirty="0" err="1">
                 <a:solidFill>
                   <a:schemeClr val="dk1"/>
                 </a:solidFill>
@@ -16260,7 +16522,7 @@
               <a:t>UCIe</a:t>
             </a:r>
             <a:r>
-              <a:rPr lang="en-US" sz="2800" b="0" i="0" u="none" strike="noStrike" cap="none" dirty="0">
+              <a:rPr lang="en-US" sz="3200" b="0" i="0" u="none" strike="noStrike" cap="none" dirty="0">
                 <a:solidFill>
                   <a:schemeClr val="dk1"/>
                 </a:solidFill>
@@ -16273,7 +16535,7 @@
             </a:r>
           </a:p>
           <a:p>
-            <a:pPr marL="0" marR="0" lvl="0" indent="0" algn="l" rtl="0">
+            <a:pPr marL="457200" marR="0" lvl="0" indent="-457200" algn="l" rtl="0">
               <a:lnSpc>
                 <a:spcPct val="120000"/>
               </a:lnSpc>
@@ -16287,18 +16549,18 @@
                 <a:srgbClr val="000000"/>
               </a:buClr>
               <a:buSzPts val="2800"/>
-              <a:buFont typeface="Arial"/>
-              <a:buNone/>
+              <a:buFont typeface="Arial" panose="020B0604020202020204" pitchFamily="34" charset="0"/>
+              <a:buChar char="•"/>
             </a:pPr>
             <a:r>
-              <a:rPr lang="en-US" sz="2800" dirty="0">
+              <a:rPr lang="en-US" sz="3200" dirty="0">
                 <a:solidFill>
                   <a:schemeClr val="dk1"/>
                 </a:solidFill>
               </a:rPr>
-              <a:t>- Plugins for other layout styles, simulators, and DRC/LVS tools</a:t>
+              <a:t>Plugins for other layout styles, simulators, and DRC/LVS tools</a:t>
             </a:r>
-            <a:endParaRPr sz="2800" b="0" i="0" u="none" strike="noStrike" cap="none" dirty="0">
+            <a:endParaRPr sz="3200" b="0" i="0" u="none" strike="noStrike" cap="none" dirty="0">
               <a:solidFill>
                 <a:schemeClr val="dk1"/>
               </a:solidFill>
@@ -16466,7 +16728,7 @@
         </p:blipFill>
         <p:spPr>
           <a:xfrm>
-            <a:off x="4913066" y="19849811"/>
+            <a:off x="5291438" y="19502970"/>
             <a:ext cx="6745533" cy="3769142"/>
           </a:xfrm>
           <a:prstGeom prst="rect">
@@ -16616,7 +16878,7 @@
         </p:blipFill>
         <p:spPr>
           <a:xfrm>
-            <a:off x="199076" y="20441772"/>
+            <a:off x="577448" y="20094931"/>
             <a:ext cx="4571907" cy="2803865"/>
           </a:xfrm>
           <a:prstGeom prst="rect">
@@ -16640,7 +16902,7 @@
         </p:nvCxnSpPr>
         <p:spPr>
           <a:xfrm flipV="1">
-            <a:off x="3706058" y="20592135"/>
+            <a:off x="4084430" y="20245294"/>
             <a:ext cx="2466142" cy="1373785"/>
           </a:xfrm>
           <a:prstGeom prst="straightConnector1">
@@ -16681,7 +16943,7 @@
         </p:nvCxnSpPr>
         <p:spPr>
           <a:xfrm flipV="1">
-            <a:off x="3706058" y="21273382"/>
+            <a:off x="4084430" y="20926541"/>
             <a:ext cx="4259692" cy="887859"/>
           </a:xfrm>
           <a:prstGeom prst="straightConnector1">
@@ -16723,7 +16985,7 @@
         </p:nvSpPr>
         <p:spPr>
           <a:xfrm>
-            <a:off x="12694787" y="11122906"/>
+            <a:off x="12694787" y="10469767"/>
             <a:ext cx="1788458" cy="2556260"/>
           </a:xfrm>
           <a:prstGeom prst="snip1Rect">
@@ -16772,7 +17034,7 @@
         </p:nvSpPr>
         <p:spPr>
           <a:xfrm>
-            <a:off x="14917042" y="11121575"/>
+            <a:off x="14917042" y="10468436"/>
             <a:ext cx="1788458" cy="2556260"/>
           </a:xfrm>
           <a:prstGeom prst="snip1Rect">
@@ -16828,7 +17090,7 @@
         </p:nvSpPr>
         <p:spPr>
           <a:xfrm>
-            <a:off x="17113395" y="11121575"/>
+            <a:off x="17113395" y="10468436"/>
             <a:ext cx="1788458" cy="2556260"/>
           </a:xfrm>
           <a:prstGeom prst="snip1Rect">
@@ -16884,7 +17146,7 @@
         </p:nvSpPr>
         <p:spPr>
           <a:xfrm>
-            <a:off x="19324185" y="11120234"/>
+            <a:off x="19324185" y="10467095"/>
             <a:ext cx="1788458" cy="2556260"/>
           </a:xfrm>
           <a:prstGeom prst="snip1Rect">
@@ -16948,7 +17210,7 @@
         </p:nvSpPr>
         <p:spPr>
           <a:xfrm>
-            <a:off x="21520538" y="11121575"/>
+            <a:off x="21520538" y="10468436"/>
             <a:ext cx="1788458" cy="2556260"/>
           </a:xfrm>
           <a:prstGeom prst="snip1Rect">
@@ -17008,6 +17270,7 @@
             </a:extLst>
           </p:cNvPr>
           <p:cNvCxnSpPr>
+            <a:cxnSpLocks/>
             <a:stCxn id="36" idx="0"/>
             <a:endCxn id="37" idx="2"/>
           </p:cNvCxnSpPr>
@@ -17015,7 +17278,7 @@
         </p:nvCxnSpPr>
         <p:spPr>
           <a:xfrm flipV="1">
-            <a:off x="14483245" y="12399705"/>
+            <a:off x="14483245" y="11746566"/>
             <a:ext cx="433797" cy="1331"/>
           </a:xfrm>
           <a:prstGeom prst="straightConnector1">
@@ -17054,7 +17317,7 @@
         </p:nvCxnSpPr>
         <p:spPr>
           <a:xfrm flipV="1">
-            <a:off x="16735514" y="12398364"/>
+            <a:off x="16735514" y="11745225"/>
             <a:ext cx="433797" cy="1331"/>
           </a:xfrm>
           <a:prstGeom prst="straightConnector1">
@@ -17093,7 +17356,7 @@
         </p:nvCxnSpPr>
         <p:spPr>
           <a:xfrm flipV="1">
-            <a:off x="18926628" y="12398364"/>
+            <a:off x="18926628" y="11745225"/>
             <a:ext cx="433797" cy="1331"/>
           </a:xfrm>
           <a:prstGeom prst="straightConnector1">
@@ -17132,7 +17395,7 @@
         </p:nvCxnSpPr>
         <p:spPr>
           <a:xfrm flipV="1">
-            <a:off x="21101178" y="12409538"/>
+            <a:off x="21101178" y="11756399"/>
             <a:ext cx="433797" cy="1331"/>
           </a:xfrm>
           <a:prstGeom prst="straightConnector1">
@@ -17317,7 +17580,7 @@
         </p:blipFill>
         <p:spPr>
           <a:xfrm>
-            <a:off x="24547736" y="8195616"/>
+            <a:off x="25241418" y="8195616"/>
             <a:ext cx="4157902" cy="2816643"/>
           </a:xfrm>
           <a:prstGeom prst="rect">
@@ -17347,7 +17610,7 @@
         </p:blipFill>
         <p:spPr>
           <a:xfrm rot="16200000">
-            <a:off x="31730411" y="7781416"/>
+            <a:off x="31803419" y="7212663"/>
             <a:ext cx="2330743" cy="2948661"/>
           </a:xfrm>
           <a:prstGeom prst="rect">
@@ -17377,7 +17640,7 @@
         </p:blipFill>
         <p:spPr>
           <a:xfrm>
-            <a:off x="30626886" y="10359292"/>
+            <a:off x="31320568" y="10359292"/>
             <a:ext cx="4537795" cy="647358"/>
           </a:xfrm>
           <a:prstGeom prst="rect">
@@ -17395,14 +17658,15 @@
             </a:extLst>
           </p:cNvPr>
           <p:cNvCxnSpPr>
+            <a:cxnSpLocks/>
             <a:endCxn id="51" idx="0"/>
           </p:cNvCxnSpPr>
           <p:nvPr/>
         </p:nvCxnSpPr>
         <p:spPr>
-          <a:xfrm>
-            <a:off x="28705638" y="9255746"/>
-            <a:ext cx="2715814" cy="0"/>
+          <a:xfrm flipV="1">
+            <a:off x="29399320" y="8686993"/>
+            <a:ext cx="2095140" cy="583131"/>
           </a:xfrm>
           <a:prstGeom prst="straightConnector1">
             <a:avLst/>
@@ -17442,7 +17706,7 @@
         </p:nvCxnSpPr>
         <p:spPr>
           <a:xfrm>
-            <a:off x="28705638" y="9939130"/>
+            <a:off x="29399320" y="9939130"/>
             <a:ext cx="1921248" cy="743841"/>
           </a:xfrm>
           <a:prstGeom prst="straightConnector1">
@@ -17481,7 +17745,7 @@
         </p:nvSpPr>
         <p:spPr>
           <a:xfrm>
-            <a:off x="12499670" y="13828314"/>
+            <a:off x="12499670" y="13418411"/>
             <a:ext cx="11734799" cy="400069"/>
           </a:xfrm>
           <a:prstGeom prst="rect">
@@ -17549,7 +17813,7 @@
         </p:nvSpPr>
         <p:spPr>
           <a:xfrm>
-            <a:off x="204177" y="26509578"/>
+            <a:off x="204177" y="26257330"/>
             <a:ext cx="11812893" cy="923289"/>
           </a:xfrm>
           <a:prstGeom prst="rect">
@@ -17671,7 +17935,7 @@
         </p:blipFill>
         <p:spPr>
           <a:xfrm>
-            <a:off x="381000" y="23843163"/>
+            <a:off x="381000" y="23590915"/>
             <a:ext cx="11165005" cy="2501134"/>
           </a:xfrm>
           <a:prstGeom prst="rect">
